--- a/projects/sagar/vision-gnn-presentation.pptx
+++ b/projects/sagar/vision-gnn-presentation.pptx
@@ -29,11 +29,11 @@
       <p:boldItalic r:id="rId15"/>
     </p:embeddedFont>
     <p:embeddedFont>
-      <p:font typeface="OCR-B 10 BT" panose="020B0601020202020204" pitchFamily="34" charset="0"/>
+      <p:font typeface="Questrial" panose="020B0604020202020204" charset="0"/>
       <p:regular r:id="rId16"/>
     </p:embeddedFont>
     <p:embeddedFont>
-      <p:font typeface="Questrial" panose="020B0604020202020204" charset="0"/>
+      <p:font typeface="OCR-B 10 BT" panose="020B0601020202020204" pitchFamily="34" charset="0"/>
       <p:regular r:id="rId17"/>
     </p:embeddedFont>
   </p:embeddedFontLst>
@@ -56300,14 +56300,6 @@
               </a:rPr>
               <a:t>Relationships</a:t>
             </a:r>
-            <a:endParaRPr lang="en-US" dirty="0">
-              <a:solidFill>
-                <a:srgbClr val="374151"/>
-              </a:solidFill>
-              <a:latin typeface="Urbanist" panose="020B0604020202020204" charset="0"/>
-              <a:ea typeface="Urbanist" panose="020B0604020202020204" charset="0"/>
-              <a:cs typeface="Urbanist" panose="020B0604020202020204" charset="0"/>
-            </a:endParaRPr>
           </a:p>
         </p:txBody>
       </p:sp>
@@ -57019,7 +57011,7 @@
                 <a:ea typeface="Urbanist" panose="020B0604020202020204" charset="0"/>
                 <a:cs typeface="Urbanist" panose="020B0604020202020204" charset="0"/>
               </a:rPr>
-              <a:t>7.1</a:t>
+              <a:t>1.3</a:t>
             </a:r>
             <a:r>
               <a:rPr lang="en-IN" sz="1600" b="1" dirty="0" smtClean="0">
@@ -57032,6 +57024,14 @@
               </a:rPr>
               <a:t> </a:t>
             </a:r>
+            <a:endParaRPr lang="en-IN" sz="1600" b="1" dirty="0" smtClean="0">
+              <a:solidFill>
+                <a:schemeClr val="tx1"/>
+              </a:solidFill>
+              <a:latin typeface="Urbanist" panose="020B0604020202020204" charset="0"/>
+              <a:ea typeface="Urbanist" panose="020B0604020202020204" charset="0"/>
+              <a:cs typeface="Urbanist" panose="020B0604020202020204" charset="0"/>
+            </a:endParaRPr>
           </a:p>
           <a:p>
             <a:pPr algn="ctr"/>
@@ -57077,7 +57077,7 @@
                 <a:ea typeface="Urbanist" panose="020B0604020202020204" charset="0"/>
                 <a:cs typeface="Urbanist" panose="020B0604020202020204" charset="0"/>
               </a:rPr>
-              <a:t>1.3</a:t>
+              <a:t>7.1</a:t>
             </a:r>
             <a:endParaRPr lang="en-IN" dirty="0">
               <a:solidFill>
@@ -57727,7 +57727,7 @@
                 <a:ea typeface="Urbanist" panose="020B0604020202020204" charset="0"/>
                 <a:cs typeface="Urbanist" panose="020B0604020202020204" charset="0"/>
               </a:rPr>
-              <a:t>(M6): </a:t>
+              <a:t>(M): </a:t>
             </a:r>
             <a:r>
               <a:rPr lang="en-IN" dirty="0">
@@ -58173,13 +58173,13 @@
           <p:nvPr>
             <p:extLst>
               <p:ext uri="{D42A27DB-BD31-4B8C-83A1-F6EECF244321}">
-                <p14:modId xmlns:p14="http://schemas.microsoft.com/office/powerpoint/2010/main" val="2613879844"/>
+                <p14:modId xmlns:p14="http://schemas.microsoft.com/office/powerpoint/2010/main" val="3215310307"/>
               </p:ext>
             </p:extLst>
           </p:nvPr>
         </p:nvGraphicFramePr>
         <p:xfrm>
-          <a:off x="2407538" y="3815384"/>
+          <a:off x="2400504" y="3780215"/>
           <a:ext cx="4517985" cy="1081516"/>
         </p:xfrm>
         <a:graphic>
@@ -58390,13 +58390,13 @@
                     <a:p>
                       <a:pPr algn="ctr"/>
                       <a:r>
-                        <a:rPr lang="en-IN" sz="900" dirty="0" err="1">
+                        <a:rPr lang="en-IN" sz="900" dirty="0" err="1" smtClean="0">
                           <a:effectLst/>
                         </a:rPr>
-                        <a:t>iG</a:t>
+                        <a:t>ViG</a:t>
                       </a:r>
                       <a:r>
-                        <a:rPr lang="en-IN" sz="900" dirty="0">
+                        <a:rPr lang="en-IN" sz="900" dirty="0" smtClean="0">
                           <a:effectLst/>
                         </a:rPr>
                         <a:t>-B </a:t>
@@ -59021,7 +59021,7 @@
       </p:pic>
       <p:pic>
         <p:nvPicPr>
-          <p:cNvPr id="4" name="Picture 3"/>
+          <p:cNvPr id="2" name="Picture 1"/>
           <p:cNvPicPr>
             <a:picLocks noChangeAspect="1"/>
           </p:cNvPicPr>
@@ -59035,8 +59035,8 @@
         </p:blipFill>
         <p:spPr>
           <a:xfrm>
-            <a:off x="5453477" y="1610540"/>
-            <a:ext cx="3201789" cy="1625029"/>
+            <a:off x="5521728" y="1789365"/>
+            <a:ext cx="3236863" cy="1530609"/>
           </a:xfrm>
           <a:prstGeom prst="rect">
             <a:avLst/>
@@ -59300,7 +59300,7 @@
         <p:spPr>
           <a:xfrm>
             <a:off x="948942" y="1422444"/>
-            <a:ext cx="7164942" cy="1384995"/>
+            <a:ext cx="7164942" cy="2031325"/>
           </a:xfrm>
           <a:prstGeom prst="rect">
             <a:avLst/>
@@ -59317,9 +59317,9 @@
               <a:buAutoNum type="arabicPeriod"/>
             </a:pPr>
             <a:r>
-              <a:rPr lang="en-IN" b="1" dirty="0" smtClean="0">
+              <a:rPr lang="en-IN" dirty="0" smtClean="0">
                 <a:solidFill>
-                  <a:srgbClr val="374151"/>
+                  <a:schemeClr val="tx1"/>
                 </a:solidFill>
                 <a:latin typeface="Urbanist" panose="020B0604020202020204" charset="0"/>
                 <a:ea typeface="Urbanist" panose="020B0604020202020204" charset="0"/>
@@ -59328,9 +59328,9 @@
               <a:t> </a:t>
             </a:r>
             <a:r>
-              <a:rPr lang="en-IN" b="1" dirty="0" err="1" smtClean="0">
+              <a:rPr lang="en-IN" dirty="0" err="1" smtClean="0">
                 <a:solidFill>
-                  <a:srgbClr val="374151"/>
+                  <a:schemeClr val="tx1"/>
                 </a:solidFill>
                 <a:latin typeface="Urbanist" panose="020B0604020202020204" charset="0"/>
                 <a:ea typeface="Urbanist" panose="020B0604020202020204" charset="0"/>
@@ -59339,9 +59339,9 @@
               <a:t>ViG</a:t>
             </a:r>
             <a:r>
-              <a:rPr lang="en-IN" b="1" dirty="0" smtClean="0">
+              <a:rPr lang="en-IN" dirty="0" smtClean="0">
                 <a:solidFill>
-                  <a:srgbClr val="374151"/>
+                  <a:schemeClr val="tx1"/>
                 </a:solidFill>
                 <a:latin typeface="Urbanist" panose="020B0604020202020204" charset="0"/>
                 <a:ea typeface="Urbanist" panose="020B0604020202020204" charset="0"/>
@@ -59350,9 +59350,9 @@
               <a:t> </a:t>
             </a:r>
             <a:r>
-              <a:rPr lang="en-IN" b="1" dirty="0">
+              <a:rPr lang="en-IN" dirty="0">
                 <a:solidFill>
-                  <a:srgbClr val="374151"/>
+                  <a:schemeClr val="tx1"/>
                 </a:solidFill>
                 <a:latin typeface="Urbanist" panose="020B0604020202020204" charset="0"/>
                 <a:ea typeface="Urbanist" panose="020B0604020202020204" charset="0"/>
@@ -59361,9 +59361,9 @@
               <a:t>models (</a:t>
             </a:r>
             <a:r>
-              <a:rPr lang="en-IN" b="1" dirty="0" err="1">
+              <a:rPr lang="en-IN" dirty="0" err="1">
                 <a:solidFill>
-                  <a:srgbClr val="374151"/>
+                  <a:schemeClr val="tx1"/>
                 </a:solidFill>
                 <a:latin typeface="Urbanist" panose="020B0604020202020204" charset="0"/>
                 <a:ea typeface="Urbanist" panose="020B0604020202020204" charset="0"/>
@@ -59372,9 +59372,9 @@
               <a:t>ViG</a:t>
             </a:r>
             <a:r>
-              <a:rPr lang="en-IN" b="1" dirty="0">
+              <a:rPr lang="en-IN" dirty="0">
                 <a:solidFill>
-                  <a:srgbClr val="374151"/>
+                  <a:schemeClr val="tx1"/>
                 </a:solidFill>
                 <a:latin typeface="Urbanist" panose="020B0604020202020204" charset="0"/>
                 <a:ea typeface="Urbanist" panose="020B0604020202020204" charset="0"/>
@@ -59383,9 +59383,9 @@
               <a:t>-Ti, </a:t>
             </a:r>
             <a:r>
-              <a:rPr lang="en-IN" b="1" dirty="0" err="1">
+              <a:rPr lang="en-IN" dirty="0" err="1">
                 <a:solidFill>
-                  <a:srgbClr val="374151"/>
+                  <a:schemeClr val="tx1"/>
                 </a:solidFill>
                 <a:latin typeface="Urbanist" panose="020B0604020202020204" charset="0"/>
                 <a:ea typeface="Urbanist" panose="020B0604020202020204" charset="0"/>
@@ -59394,9 +59394,9 @@
               <a:t>ViG</a:t>
             </a:r>
             <a:r>
-              <a:rPr lang="en-IN" b="1" dirty="0">
+              <a:rPr lang="en-IN" dirty="0">
                 <a:solidFill>
-                  <a:srgbClr val="374151"/>
+                  <a:schemeClr val="tx1"/>
                 </a:solidFill>
                 <a:latin typeface="Urbanist" panose="020B0604020202020204" charset="0"/>
                 <a:ea typeface="Urbanist" panose="020B0604020202020204" charset="0"/>
@@ -59405,9 +59405,9 @@
               <a:t>-S, </a:t>
             </a:r>
             <a:r>
-              <a:rPr lang="en-IN" b="1" dirty="0" err="1">
+              <a:rPr lang="en-IN" dirty="0" err="1">
                 <a:solidFill>
-                  <a:srgbClr val="374151"/>
+                  <a:schemeClr val="tx1"/>
                 </a:solidFill>
                 <a:latin typeface="Urbanist" panose="020B0604020202020204" charset="0"/>
                 <a:ea typeface="Urbanist" panose="020B0604020202020204" charset="0"/>
@@ -59416,9 +59416,9 @@
               <a:t>ViG</a:t>
             </a:r>
             <a:r>
-              <a:rPr lang="en-IN" b="1" dirty="0">
+              <a:rPr lang="en-IN" dirty="0">
                 <a:solidFill>
-                  <a:srgbClr val="374151"/>
+                  <a:schemeClr val="tx1"/>
                 </a:solidFill>
                 <a:latin typeface="Urbanist" panose="020B0604020202020204" charset="0"/>
                 <a:ea typeface="Urbanist" panose="020B0604020202020204" charset="0"/>
@@ -59427,9 +59427,9 @@
               <a:t>-B) show promise in our training, with potential for comparable or superior performance to </a:t>
             </a:r>
             <a:r>
-              <a:rPr lang="en-IN" b="1" dirty="0" err="1">
+              <a:rPr lang="en-IN" dirty="0" err="1">
                 <a:solidFill>
-                  <a:srgbClr val="374151"/>
+                  <a:schemeClr val="tx1"/>
                 </a:solidFill>
                 <a:latin typeface="Urbanist" panose="020B0604020202020204" charset="0"/>
                 <a:ea typeface="Urbanist" panose="020B0604020202020204" charset="0"/>
@@ -59438,9 +59438,9 @@
               <a:t>ResNet</a:t>
             </a:r>
             <a:r>
-              <a:rPr lang="en-IN" b="1" dirty="0">
+              <a:rPr lang="en-IN" dirty="0">
                 <a:solidFill>
-                  <a:srgbClr val="374151"/>
+                  <a:schemeClr val="tx1"/>
                 </a:solidFill>
                 <a:latin typeface="Urbanist" panose="020B0604020202020204" charset="0"/>
                 <a:ea typeface="Urbanist" panose="020B0604020202020204" charset="0"/>
@@ -59449,9 +59449,9 @@
               <a:t> variants (ResNet-18, ResNet-50, ResNet-101) as we increase training epochs</a:t>
             </a:r>
             <a:r>
-              <a:rPr lang="en-IN" b="1" dirty="0" smtClean="0">
+              <a:rPr lang="en-IN" dirty="0" smtClean="0">
                 <a:solidFill>
-                  <a:srgbClr val="374151"/>
+                  <a:schemeClr val="tx1"/>
                 </a:solidFill>
                 <a:latin typeface="Urbanist" panose="020B0604020202020204" charset="0"/>
                 <a:ea typeface="Urbanist" panose="020B0604020202020204" charset="0"/>
@@ -59461,9 +59461,9 @@
             </a:r>
           </a:p>
           <a:p>
-            <a:endParaRPr lang="en-IN" b="1" dirty="0">
+            <a:endParaRPr lang="en-IN" dirty="0">
               <a:solidFill>
-                <a:srgbClr val="374151"/>
+                <a:schemeClr val="tx1"/>
               </a:solidFill>
               <a:latin typeface="Urbanist" panose="020B0604020202020204" charset="0"/>
               <a:ea typeface="Urbanist" panose="020B0604020202020204" charset="0"/>
@@ -59472,9 +59472,9 @@
           </a:p>
           <a:p>
             <a:r>
-              <a:rPr lang="en-IN" b="1" dirty="0" smtClean="0">
+              <a:rPr lang="en-IN" dirty="0" smtClean="0">
                 <a:solidFill>
-                  <a:srgbClr val="374151"/>
+                  <a:schemeClr val="tx1"/>
                 </a:solidFill>
                 <a:latin typeface="Urbanist" panose="020B0604020202020204" charset="0"/>
                 <a:ea typeface="Urbanist" panose="020B0604020202020204" charset="0"/>
@@ -59483,9 +59483,9 @@
               <a:t>2. </a:t>
             </a:r>
             <a:r>
-              <a:rPr lang="en-IN" b="1" dirty="0" err="1" smtClean="0">
+              <a:rPr lang="en-IN" dirty="0" err="1" smtClean="0">
                 <a:solidFill>
-                  <a:srgbClr val="374151"/>
+                  <a:schemeClr val="tx1"/>
                 </a:solidFill>
                 <a:latin typeface="Urbanist" panose="020B0604020202020204" charset="0"/>
                 <a:ea typeface="Urbanist" panose="020B0604020202020204" charset="0"/>
@@ -59494,9 +59494,9 @@
               <a:t>ViG</a:t>
             </a:r>
             <a:r>
-              <a:rPr lang="en-IN" b="1" dirty="0" smtClean="0">
+              <a:rPr lang="en-IN" dirty="0" smtClean="0">
                 <a:solidFill>
-                  <a:srgbClr val="374151"/>
+                  <a:schemeClr val="tx1"/>
                 </a:solidFill>
                 <a:latin typeface="Urbanist" panose="020B0604020202020204" charset="0"/>
                 <a:ea typeface="Urbanist" panose="020B0604020202020204" charset="0"/>
@@ -59505,9 +59505,9 @@
               <a:t> </a:t>
             </a:r>
             <a:r>
-              <a:rPr lang="en-IN" b="1" dirty="0">
+              <a:rPr lang="en-IN" dirty="0">
                 <a:solidFill>
-                  <a:srgbClr val="374151"/>
+                  <a:schemeClr val="tx1"/>
                 </a:solidFill>
                 <a:latin typeface="Urbanist" panose="020B0604020202020204" charset="0"/>
                 <a:ea typeface="Urbanist" panose="020B0604020202020204" charset="0"/>
@@ -59516,9 +59516,9 @@
               <a:t>models match </a:t>
             </a:r>
             <a:r>
-              <a:rPr lang="en-IN" b="1" dirty="0" err="1">
+              <a:rPr lang="en-IN" dirty="0" err="1">
                 <a:solidFill>
-                  <a:srgbClr val="374151"/>
+                  <a:schemeClr val="tx1"/>
                 </a:solidFill>
                 <a:latin typeface="Urbanist" panose="020B0604020202020204" charset="0"/>
                 <a:ea typeface="Urbanist" panose="020B0604020202020204" charset="0"/>
@@ -59527,9 +59527,9 @@
               <a:t>ResNet</a:t>
             </a:r>
             <a:r>
-              <a:rPr lang="en-IN" b="1" dirty="0">
+              <a:rPr lang="en-IN" dirty="0">
                 <a:solidFill>
-                  <a:srgbClr val="374151"/>
+                  <a:schemeClr val="tx1"/>
                 </a:solidFill>
                 <a:latin typeface="Urbanist" panose="020B0604020202020204" charset="0"/>
                 <a:ea typeface="Urbanist" panose="020B0604020202020204" charset="0"/>
@@ -59538,9 +59538,9 @@
               <a:t> models in size (FLOPs and parameters) but outperform them in image </a:t>
             </a:r>
             <a:r>
-              <a:rPr lang="en-IN" b="1" dirty="0" smtClean="0">
+              <a:rPr lang="en-IN" dirty="0" smtClean="0">
                 <a:solidFill>
-                  <a:srgbClr val="374151"/>
+                  <a:schemeClr val="tx1"/>
                 </a:solidFill>
                 <a:latin typeface="Urbanist" panose="020B0604020202020204" charset="0"/>
                 <a:ea typeface="Urbanist" panose="020B0604020202020204" charset="0"/>
@@ -59548,9 +59548,117 @@
               </a:rPr>
               <a:t>classification. </a:t>
             </a:r>
-            <a:endParaRPr lang="en-IN" b="1" dirty="0">
+            <a:endParaRPr lang="en-IN" dirty="0" smtClean="0">
               <a:solidFill>
-                <a:srgbClr val="374151"/>
+                <a:schemeClr val="tx1"/>
+              </a:solidFill>
+              <a:latin typeface="Urbanist" panose="020B0604020202020204" charset="0"/>
+              <a:ea typeface="Urbanist" panose="020B0604020202020204" charset="0"/>
+              <a:cs typeface="Urbanist" panose="020B0604020202020204" charset="0"/>
+            </a:endParaRPr>
+          </a:p>
+          <a:p>
+            <a:endParaRPr lang="en-US" dirty="0">
+              <a:solidFill>
+                <a:schemeClr val="tx1"/>
+              </a:solidFill>
+              <a:latin typeface="Urbanist" panose="020B0604020202020204" charset="0"/>
+              <a:ea typeface="Urbanist" panose="020B0604020202020204" charset="0"/>
+              <a:cs typeface="Urbanist" panose="020B0604020202020204" charset="0"/>
+            </a:endParaRPr>
+          </a:p>
+          <a:p>
+            <a:r>
+              <a:rPr lang="en-US" dirty="0" smtClean="0">
+                <a:solidFill>
+                  <a:schemeClr val="tx1"/>
+                </a:solidFill>
+                <a:latin typeface="Urbanist" panose="020B0604020202020204" charset="0"/>
+                <a:ea typeface="Urbanist" panose="020B0604020202020204" charset="0"/>
+                <a:cs typeface="Urbanist" panose="020B0604020202020204" charset="0"/>
+              </a:rPr>
+              <a:t>3. </a:t>
+            </a:r>
+            <a:r>
+              <a:rPr lang="en-US" dirty="0">
+                <a:solidFill>
+                  <a:schemeClr val="tx1"/>
+                </a:solidFill>
+                <a:latin typeface="Urbanist" panose="020B0604020202020204" charset="0"/>
+                <a:ea typeface="Urbanist" panose="020B0604020202020204" charset="0"/>
+                <a:cs typeface="Urbanist" panose="020B0604020202020204" charset="0"/>
+              </a:rPr>
+              <a:t>Future plans include training on </a:t>
+            </a:r>
+            <a:r>
+              <a:rPr lang="en-US" dirty="0" smtClean="0">
+                <a:solidFill>
+                  <a:schemeClr val="tx1"/>
+                </a:solidFill>
+                <a:latin typeface="Urbanist" panose="020B0604020202020204" charset="0"/>
+                <a:ea typeface="Urbanist" panose="020B0604020202020204" charset="0"/>
+                <a:cs typeface="Urbanist" panose="020B0604020202020204" charset="0"/>
+              </a:rPr>
+              <a:t>coco, </a:t>
+            </a:r>
+            <a:r>
+              <a:rPr lang="en-US" dirty="0" err="1" smtClean="0">
+                <a:solidFill>
+                  <a:schemeClr val="tx1"/>
+                </a:solidFill>
+                <a:latin typeface="Urbanist" panose="020B0604020202020204" charset="0"/>
+                <a:ea typeface="Urbanist" panose="020B0604020202020204" charset="0"/>
+                <a:cs typeface="Urbanist" panose="020B0604020202020204" charset="0"/>
+              </a:rPr>
+              <a:t>FinTab</a:t>
+            </a:r>
+            <a:r>
+              <a:rPr lang="en-US" dirty="0" smtClean="0">
+                <a:solidFill>
+                  <a:schemeClr val="tx1"/>
+                </a:solidFill>
+                <a:latin typeface="Urbanist" panose="020B0604020202020204" charset="0"/>
+                <a:ea typeface="Urbanist" panose="020B0604020202020204" charset="0"/>
+                <a:cs typeface="Urbanist" panose="020B0604020202020204" charset="0"/>
+              </a:rPr>
+              <a:t> and </a:t>
+            </a:r>
+            <a:r>
+              <a:rPr lang="en-US" dirty="0" err="1" smtClean="0">
+                <a:solidFill>
+                  <a:schemeClr val="tx1"/>
+                </a:solidFill>
+                <a:latin typeface="Urbanist" panose="020B0604020202020204" charset="0"/>
+                <a:ea typeface="Urbanist" panose="020B0604020202020204" charset="0"/>
+                <a:cs typeface="Urbanist" panose="020B0604020202020204" charset="0"/>
+              </a:rPr>
+              <a:t>Pubtables</a:t>
+            </a:r>
+            <a:r>
+              <a:rPr lang="en-US" dirty="0" smtClean="0">
+                <a:solidFill>
+                  <a:schemeClr val="tx1"/>
+                </a:solidFill>
+                <a:latin typeface="Urbanist" panose="020B0604020202020204" charset="0"/>
+                <a:ea typeface="Urbanist" panose="020B0604020202020204" charset="0"/>
+                <a:cs typeface="Urbanist" panose="020B0604020202020204" charset="0"/>
+              </a:rPr>
+              <a:t> dataset. Also, </a:t>
+            </a:r>
+            <a:r>
+              <a:rPr lang="en-US" dirty="0">
+                <a:solidFill>
+                  <a:schemeClr val="tx1"/>
+                </a:solidFill>
+                <a:latin typeface="Urbanist" panose="020B0604020202020204" charset="0"/>
+                <a:ea typeface="Urbanist" panose="020B0604020202020204" charset="0"/>
+                <a:cs typeface="Urbanist" panose="020B0604020202020204" charset="0"/>
+              </a:rPr>
+              <a:t>implementing LT GNN for better transfer learning.</a:t>
+            </a:r>
+            <a:endParaRPr lang="en-IN" dirty="0">
+              <a:solidFill>
+                <a:schemeClr val="tx1"/>
               </a:solidFill>
               <a:latin typeface="Urbanist" panose="020B0604020202020204" charset="0"/>
               <a:ea typeface="Urbanist" panose="020B0604020202020204" charset="0"/>
